--- a/Daily Agendas/Day3.3_Cryptocurrencies.pptx
+++ b/Daily Agendas/Day3.3_Cryptocurrencies.pptx
@@ -3081,11 +3081,7 @@
             </a:r>
             <a:r>
               <a:rPr lang="en-US" dirty="0" smtClean="0"/>
-              <a:t>Feb </a:t>
-            </a:r>
-            <a:r>
-              <a:rPr lang="en-US" dirty="0" smtClean="0"/>
-              <a:t>20</a:t>
+              <a:t>Feb 20</a:t>
             </a:r>
             <a:endParaRPr lang="en-US" dirty="0"/>
           </a:p>
@@ -3126,7 +3122,6 @@
               <a:rPr lang="en-US" dirty="0" smtClean="0"/>
               <a:t>Case C.1 Crypto-Currencies</a:t>
             </a:r>
-            <a:endParaRPr lang="en-US" dirty="0" smtClean="0"/>
           </a:p>
           <a:p>
             <a:pPr lvl="2"/>
@@ -3139,11 +3134,7 @@
             <a:pPr lvl="2"/>
             <a:r>
               <a:rPr lang="en-CA" dirty="0" smtClean="0"/>
-              <a:t>Continue </a:t>
-            </a:r>
-            <a:r>
-              <a:rPr lang="en-CA" dirty="0" smtClean="0"/>
-              <a:t>levels 2 and  3 tomorrow </a:t>
+              <a:t>Continue levels 2 and  3 tomorrow </a:t>
             </a:r>
           </a:p>
           <a:p>
@@ -3154,15 +3145,7 @@
                   <a:srgbClr val="FF0000"/>
                 </a:solidFill>
               </a:rPr>
-              <a:t>NOTE: </a:t>
-            </a:r>
-            <a:r>
-              <a:rPr lang="en-CA" dirty="0" smtClean="0">
-                <a:solidFill>
-                  <a:srgbClr val="FF0000"/>
-                </a:solidFill>
-              </a:rPr>
-              <a:t>Re-Download</a:t>
+              <a:t>NOTE: Re-Download</a:t>
             </a:r>
             <a:r>
               <a:rPr lang="en-CA" dirty="0">
@@ -3224,17 +3207,8 @@
             <a:pPr lvl="1"/>
             <a:r>
               <a:rPr lang="en-CA" sz="2400" dirty="0" smtClean="0"/>
-              <a:t>Tomorrow</a:t>
-            </a:r>
-            <a:r>
-              <a:rPr lang="en-CA" sz="2400" dirty="0" smtClean="0"/>
-              <a:t>: </a:t>
-            </a:r>
-            <a:r>
-              <a:rPr lang="en-CA" sz="2400" dirty="0" smtClean="0"/>
-              <a:t>Supply Day / Continue Case C.1</a:t>
-            </a:r>
-            <a:endParaRPr lang="en-CA" sz="2400" dirty="0" smtClean="0"/>
+              <a:t>Tomorrow: Supply Day / Continue Case C.1</a:t>
+            </a:r>
           </a:p>
         </p:txBody>
       </p:sp>
@@ -3314,7 +3288,6 @@
               <a:rPr lang="en-CA" dirty="0" smtClean="0"/>
               <a:t>Predict the result of the following code:</a:t>
             </a:r>
-            <a:endParaRPr lang="en-CA" dirty="0" smtClean="0"/>
           </a:p>
           <a:p>
             <a:pPr marL="800100" lvl="2" indent="0">
@@ -3326,29 +3299,8 @@
                   <a:srgbClr val="002060"/>
                 </a:solidFill>
               </a:rPr>
-              <a:t>colours </a:t>
-            </a:r>
-            <a:r>
-              <a:rPr lang="en-CA" sz="3100" i="1" dirty="0" smtClean="0">
-                <a:solidFill>
-                  <a:srgbClr val="002060"/>
-                </a:solidFill>
-              </a:rPr>
-              <a:t>= </a:t>
-            </a:r>
-            <a:r>
-              <a:rPr lang="en-CA" sz="3100" i="1" dirty="0" smtClean="0">
-                <a:solidFill>
-                  <a:srgbClr val="002060"/>
-                </a:solidFill>
-              </a:rPr>
-              <a:t>['red', 'green', 'blue']</a:t>
-            </a:r>
-            <a:endParaRPr lang="en-CA" sz="3100" i="1" dirty="0" smtClean="0">
-              <a:solidFill>
-                <a:srgbClr val="002060"/>
-              </a:solidFill>
-            </a:endParaRPr>
+              <a:t>colours = ['red', 'green', 'blue']</a:t>
+            </a:r>
           </a:p>
           <a:p>
             <a:pPr marL="800100" lvl="2" indent="0">
